--- a/Linear Regression Modeling.pptx
+++ b/Linear Regression Modeling.pptx
@@ -13,6 +13,7 @@
     <p:sldId id="260" r:id="rId7"/>
     <p:sldId id="262" r:id="rId8"/>
     <p:sldId id="264" r:id="rId9"/>
+    <p:sldId id="265" r:id="rId10"/>
   </p:sldIdLst>
   <p:sldSz cx="12192000" cy="6858000"/>
   <p:notesSz cx="6858000" cy="9144000"/>
@@ -111,6 +112,11 @@
       </a:defRPr>
     </a:lvl9pPr>
   </p:defaultTextStyle>
+  <p:extLst>
+    <p:ext uri="{EFAFB233-063F-42B5-8137-9DF3F51BA10A}">
+      <p15:sldGuideLst xmlns:p15="http://schemas.microsoft.com/office/powerpoint/2012/main"/>
+    </p:ext>
+  </p:extLst>
 </p:presentation>
 </file>
 
@@ -837,7 +843,7 @@
             <a:fld id="{B61BEF0D-F0BB-DE4B-95CE-6DB70DBA9567}" type="datetimeFigureOut">
               <a:rPr lang="en-US" smtClean="0"/>
               <a:pPr/>
-              <a:t>2/5/2019</a:t>
+              <a:t>2/7/2019</a:t>
             </a:fld>
             <a:endParaRPr lang="en-US" dirty="0"/>
           </a:p>
@@ -1090,7 +1096,7 @@
             <a:fld id="{B61BEF0D-F0BB-DE4B-95CE-6DB70DBA9567}" type="datetimeFigureOut">
               <a:rPr lang="en-US" smtClean="0"/>
               <a:pPr/>
-              <a:t>2/5/2019</a:t>
+              <a:t>2/7/2019</a:t>
             </a:fld>
             <a:endParaRPr lang="en-US" dirty="0"/>
           </a:p>
@@ -1406,7 +1412,7 @@
             <a:fld id="{B61BEF0D-F0BB-DE4B-95CE-6DB70DBA9567}" type="datetimeFigureOut">
               <a:rPr lang="en-US" smtClean="0"/>
               <a:pPr/>
-              <a:t>2/5/2019</a:t>
+              <a:t>2/7/2019</a:t>
             </a:fld>
             <a:endParaRPr lang="en-US" dirty="0"/>
           </a:p>
@@ -1749,7 +1755,7 @@
             <a:fld id="{B61BEF0D-F0BB-DE4B-95CE-6DB70DBA9567}" type="datetimeFigureOut">
               <a:rPr lang="en-US" smtClean="0"/>
               <a:pPr/>
-              <a:t>2/5/2019</a:t>
+              <a:t>2/7/2019</a:t>
             </a:fld>
             <a:endParaRPr lang="en-US" dirty="0"/>
           </a:p>
@@ -2065,7 +2071,7 @@
             <a:fld id="{B61BEF0D-F0BB-DE4B-95CE-6DB70DBA9567}" type="datetimeFigureOut">
               <a:rPr lang="en-US" smtClean="0"/>
               <a:pPr/>
-              <a:t>2/5/2019</a:t>
+              <a:t>2/7/2019</a:t>
             </a:fld>
             <a:endParaRPr lang="en-US" dirty="0"/>
           </a:p>
@@ -2460,7 +2466,7 @@
             <a:fld id="{B61BEF0D-F0BB-DE4B-95CE-6DB70DBA9567}" type="datetimeFigureOut">
               <a:rPr lang="en-US" smtClean="0"/>
               <a:pPr/>
-              <a:t>2/5/2019</a:t>
+              <a:t>2/7/2019</a:t>
             </a:fld>
             <a:endParaRPr lang="en-US" dirty="0"/>
           </a:p>
@@ -2632,7 +2638,7 @@
             <a:fld id="{B61BEF0D-F0BB-DE4B-95CE-6DB70DBA9567}" type="datetimeFigureOut">
               <a:rPr lang="en-US" smtClean="0"/>
               <a:pPr/>
-              <a:t>2/5/2019</a:t>
+              <a:t>2/7/2019</a:t>
             </a:fld>
             <a:endParaRPr lang="en-US" dirty="0"/>
           </a:p>
@@ -2814,7 +2820,7 @@
             <a:fld id="{B61BEF0D-F0BB-DE4B-95CE-6DB70DBA9567}" type="datetimeFigureOut">
               <a:rPr lang="en-US" smtClean="0"/>
               <a:pPr/>
-              <a:t>2/5/2019</a:t>
+              <a:t>2/7/2019</a:t>
             </a:fld>
             <a:endParaRPr lang="en-US" dirty="0"/>
           </a:p>
@@ -2992,7 +2998,7 @@
             <a:fld id="{B61BEF0D-F0BB-DE4B-95CE-6DB70DBA9567}" type="datetimeFigureOut">
               <a:rPr lang="en-US" smtClean="0"/>
               <a:pPr/>
-              <a:t>2/5/2019</a:t>
+              <a:t>2/7/2019</a:t>
             </a:fld>
             <a:endParaRPr lang="en-US" dirty="0"/>
           </a:p>
@@ -3241,7 +3247,7 @@
             <a:fld id="{B61BEF0D-F0BB-DE4B-95CE-6DB70DBA9567}" type="datetimeFigureOut">
               <a:rPr lang="en-US" smtClean="0"/>
               <a:pPr/>
-              <a:t>2/5/2019</a:t>
+              <a:t>2/7/2019</a:t>
             </a:fld>
             <a:endParaRPr lang="en-US" dirty="0"/>
           </a:p>
@@ -3475,7 +3481,7 @@
             <a:fld id="{B61BEF0D-F0BB-DE4B-95CE-6DB70DBA9567}" type="datetimeFigureOut">
               <a:rPr lang="en-US" smtClean="0"/>
               <a:pPr/>
-              <a:t>2/5/2019</a:t>
+              <a:t>2/7/2019</a:t>
             </a:fld>
             <a:endParaRPr lang="en-US" dirty="0"/>
           </a:p>
@@ -3851,7 +3857,7 @@
             <a:fld id="{B61BEF0D-F0BB-DE4B-95CE-6DB70DBA9567}" type="datetimeFigureOut">
               <a:rPr lang="en-US" smtClean="0"/>
               <a:pPr/>
-              <a:t>2/5/2019</a:t>
+              <a:t>2/7/2019</a:t>
             </a:fld>
             <a:endParaRPr lang="en-US" dirty="0"/>
           </a:p>
@@ -3976,7 +3982,7 @@
             <a:fld id="{B61BEF0D-F0BB-DE4B-95CE-6DB70DBA9567}" type="datetimeFigureOut">
               <a:rPr lang="en-US" smtClean="0"/>
               <a:pPr/>
-              <a:t>2/5/2019</a:t>
+              <a:t>2/7/2019</a:t>
             </a:fld>
             <a:endParaRPr lang="en-US" dirty="0"/>
           </a:p>
@@ -4073,7 +4079,7 @@
             <a:fld id="{B61BEF0D-F0BB-DE4B-95CE-6DB70DBA9567}" type="datetimeFigureOut">
               <a:rPr lang="en-US" smtClean="0"/>
               <a:pPr/>
-              <a:t>2/5/2019</a:t>
+              <a:t>2/7/2019</a:t>
             </a:fld>
             <a:endParaRPr lang="en-US" dirty="0"/>
           </a:p>
@@ -4330,7 +4336,7 @@
             <a:fld id="{B61BEF0D-F0BB-DE4B-95CE-6DB70DBA9567}" type="datetimeFigureOut">
               <a:rPr lang="en-US" smtClean="0"/>
               <a:pPr/>
-              <a:t>2/5/2019</a:t>
+              <a:t>2/7/2019</a:t>
             </a:fld>
             <a:endParaRPr lang="en-US" dirty="0"/>
           </a:p>
@@ -4595,7 +4601,7 @@
             <a:fld id="{B61BEF0D-F0BB-DE4B-95CE-6DB70DBA9567}" type="datetimeFigureOut">
               <a:rPr lang="en-US" smtClean="0"/>
               <a:pPr/>
-              <a:t>2/5/2019</a:t>
+              <a:t>2/7/2019</a:t>
             </a:fld>
             <a:endParaRPr lang="en-US" dirty="0"/>
           </a:p>
@@ -5340,7 +5346,7 @@
             <a:fld id="{B61BEF0D-F0BB-DE4B-95CE-6DB70DBA9567}" type="datetimeFigureOut">
               <a:rPr lang="en-US" smtClean="0"/>
               <a:pPr/>
-              <a:t>2/5/2019</a:t>
+              <a:t>2/7/2019</a:t>
             </a:fld>
             <a:endParaRPr lang="en-US" dirty="0"/>
           </a:p>
@@ -7547,6 +7553,7 @@
             </a:r>
           </a:p>
           <a:p>
+            <a:pPr lvl="1"/>
             <a:r>
               <a:rPr lang="en-US" dirty="0">
                 <a:solidFill>
@@ -7557,6 +7564,7 @@
             </a:r>
           </a:p>
           <a:p>
+            <a:pPr lvl="1"/>
             <a:r>
               <a:rPr lang="en-US" dirty="0">
                 <a:solidFill>
@@ -7575,6 +7583,24 @@
               </a:rPr>
               <a:t>Works well in linear model</a:t>
             </a:r>
+          </a:p>
+          <a:p>
+            <a:pPr lvl="1"/>
+            <a:r>
+              <a:rPr lang="en-US" dirty="0">
+                <a:solidFill>
+                  <a:schemeClr val="bg1"/>
+                </a:solidFill>
+              </a:rPr>
+              <a:t>Extracts meaning from location data </a:t>
+            </a:r>
+          </a:p>
+          <a:p>
+            <a:endParaRPr lang="en-US" dirty="0">
+              <a:solidFill>
+                <a:schemeClr val="bg1"/>
+              </a:solidFill>
+            </a:endParaRPr>
           </a:p>
           <a:p>
             <a:pPr marL="0" indent="0">
@@ -8818,13 +8844,13 @@
         </p:nvSpPr>
         <p:spPr>
           <a:xfrm>
-            <a:off x="673754" y="2160589"/>
+            <a:off x="692397" y="1893221"/>
             <a:ext cx="3973943" cy="4053943"/>
           </a:xfrm>
         </p:spPr>
         <p:txBody>
           <a:bodyPr>
-            <a:normAutofit fontScale="92500" lnSpcReduction="20000"/>
+            <a:normAutofit fontScale="85000" lnSpcReduction="10000"/>
           </a:bodyPr>
           <a:lstStyle/>
           <a:p>
@@ -8845,7 +8871,7 @@
                   <a:schemeClr val="bg1"/>
                 </a:solidFill>
               </a:rPr>
-              <a:t>Number of Total Rooms</a:t>
+              <a:t>Number of Total Rooms &amp; Floors</a:t>
             </a:r>
           </a:p>
           <a:p>
@@ -8856,7 +8882,18 @@
                   <a:schemeClr val="bg1"/>
                 </a:solidFill>
               </a:rPr>
-              <a:t>Indoor + Outdoor Sq. Footage</a:t>
+              <a:t>Indoor Sq. Footage</a:t>
+            </a:r>
+          </a:p>
+          <a:p>
+            <a:pPr lvl="1"/>
+            <a:r>
+              <a:rPr lang="en-US" b="1" dirty="0">
+                <a:solidFill>
+                  <a:schemeClr val="bg1"/>
+                </a:solidFill>
+              </a:rPr>
+              <a:t>Overall Condition</a:t>
             </a:r>
           </a:p>
           <a:p>
@@ -8899,7 +8936,7 @@
                   <a:schemeClr val="bg1"/>
                 </a:solidFill>
               </a:rPr>
-              <a:t>~0.70 on Test Set</a:t>
+              <a:t>~0.76 on Test Set</a:t>
             </a:r>
           </a:p>
           <a:p>
@@ -8910,7 +8947,7 @@
                   <a:schemeClr val="bg1"/>
                 </a:solidFill>
               </a:rPr>
-              <a:t>~0.76 on Training Set</a:t>
+              <a:t>~0.77 on Training Set</a:t>
             </a:r>
           </a:p>
           <a:p>
@@ -9046,6 +9083,155 @@
     <p:extLst>
       <p:ext uri="{BB962C8B-B14F-4D97-AF65-F5344CB8AC3E}">
         <p14:creationId xmlns:p14="http://schemas.microsoft.com/office/powerpoint/2010/main" val="3918218583"/>
+      </p:ext>
+    </p:extLst>
+  </p:cSld>
+  <p:clrMapOvr>
+    <a:masterClrMapping/>
+  </p:clrMapOvr>
+</p:sld>
+</file>
+
+<file path=ppt/slides/slide9.xml><?xml version="1.0" encoding="utf-8"?>
+<p:sld xmlns:a="http://schemas.openxmlformats.org/drawingml/2006/main" xmlns:r="http://schemas.openxmlformats.org/officeDocument/2006/relationships" xmlns:p="http://schemas.openxmlformats.org/presentationml/2006/main">
+  <p:cSld>
+    <p:spTree>
+      <p:nvGrpSpPr>
+        <p:cNvPr id="1" name=""/>
+        <p:cNvGrpSpPr/>
+        <p:nvPr/>
+      </p:nvGrpSpPr>
+      <p:grpSpPr>
+        <a:xfrm>
+          <a:off x="0" y="0"/>
+          <a:ext cx="0" cy="0"/>
+          <a:chOff x="0" y="0"/>
+          <a:chExt cx="0" cy="0"/>
+        </a:xfrm>
+      </p:grpSpPr>
+      <p:sp>
+        <p:nvSpPr>
+          <p:cNvPr id="2" name="Title 1">
+            <a:extLst>
+              <a:ext uri="{FF2B5EF4-FFF2-40B4-BE49-F238E27FC236}">
+                <a16:creationId xmlns:a16="http://schemas.microsoft.com/office/drawing/2014/main" id="{0BA6C163-F609-47D6-9F13-9D5480273171}"/>
+              </a:ext>
+            </a:extLst>
+          </p:cNvPr>
+          <p:cNvSpPr>
+            <a:spLocks noGrp="1"/>
+          </p:cNvSpPr>
+          <p:nvPr>
+            <p:ph type="title"/>
+          </p:nvPr>
+        </p:nvSpPr>
+        <p:spPr/>
+        <p:txBody>
+          <a:bodyPr/>
+          <a:lstStyle/>
+          <a:p>
+            <a:r>
+              <a:rPr lang="en-US" dirty="0"/>
+              <a:t>Main Takeaways</a:t>
+            </a:r>
+          </a:p>
+        </p:txBody>
+      </p:sp>
+      <p:sp>
+        <p:nvSpPr>
+          <p:cNvPr id="3" name="Content Placeholder 2">
+            <a:extLst>
+              <a:ext uri="{FF2B5EF4-FFF2-40B4-BE49-F238E27FC236}">
+                <a16:creationId xmlns:a16="http://schemas.microsoft.com/office/drawing/2014/main" id="{439C6392-B92D-4057-8007-079CC240A689}"/>
+              </a:ext>
+            </a:extLst>
+          </p:cNvPr>
+          <p:cNvSpPr>
+            <a:spLocks noGrp="1"/>
+          </p:cNvSpPr>
+          <p:nvPr>
+            <p:ph idx="1"/>
+          </p:nvPr>
+        </p:nvSpPr>
+        <p:spPr/>
+        <p:txBody>
+          <a:bodyPr>
+            <a:normAutofit/>
+          </a:bodyPr>
+          <a:lstStyle/>
+          <a:p>
+            <a:r>
+              <a:rPr lang="en-US" dirty="0"/>
+              <a:t>Feature engineering + Log scaling:</a:t>
+            </a:r>
+          </a:p>
+          <a:p>
+            <a:pPr lvl="1"/>
+            <a:r>
+              <a:rPr lang="en-US" dirty="0"/>
+              <a:t>Achieved higher R2: ~17% improvement over raw data model</a:t>
+            </a:r>
+          </a:p>
+          <a:p>
+            <a:pPr lvl="1"/>
+            <a:r>
+              <a:rPr lang="en-US" dirty="0"/>
+              <a:t>All features statistically significant – will perform well on unseen data</a:t>
+            </a:r>
+          </a:p>
+          <a:p>
+            <a:r>
+              <a:rPr lang="en-US" dirty="0"/>
+              <a:t>Recommendation:</a:t>
+            </a:r>
+          </a:p>
+          <a:p>
+            <a:pPr lvl="1"/>
+            <a:r>
+              <a:rPr lang="en-US" dirty="0"/>
+              <a:t>Keep recording data in same way</a:t>
+            </a:r>
+          </a:p>
+          <a:p>
+            <a:pPr lvl="1"/>
+            <a:r>
+              <a:rPr lang="en-US" dirty="0"/>
+              <a:t>Model depends highly on clustering – try many different clusters</a:t>
+            </a:r>
+          </a:p>
+          <a:p>
+            <a:pPr lvl="1"/>
+            <a:r>
+              <a:rPr lang="en-US" dirty="0"/>
+              <a:t>Use provided techniques to transform data</a:t>
+            </a:r>
+          </a:p>
+          <a:p>
+            <a:pPr lvl="1"/>
+            <a:r>
+              <a:rPr lang="en-US" dirty="0"/>
+              <a:t>Retrain model with more data, specifically with more expensive homes </a:t>
+            </a:r>
+          </a:p>
+          <a:p>
+            <a:r>
+              <a:rPr lang="en-US" dirty="0"/>
+              <a:t>Things to watch for:</a:t>
+            </a:r>
+          </a:p>
+          <a:p>
+            <a:pPr lvl="1"/>
+            <a:r>
+              <a:rPr lang="en-US" dirty="0"/>
+              <a:t>As houses get more expensive, price becomes harder to predict</a:t>
+            </a:r>
+          </a:p>
+        </p:txBody>
+      </p:sp>
+    </p:spTree>
+    <p:extLst>
+      <p:ext uri="{BB962C8B-B14F-4D97-AF65-F5344CB8AC3E}">
+        <p14:creationId xmlns:p14="http://schemas.microsoft.com/office/powerpoint/2010/main" val="2641453004"/>
       </p:ext>
     </p:extLst>
   </p:cSld>

--- a/Linear Regression Modeling.pptx
+++ b/Linear Regression Modeling.pptx
@@ -14,6 +14,9 @@
     <p:sldId id="262" r:id="rId8"/>
     <p:sldId id="264" r:id="rId9"/>
     <p:sldId id="265" r:id="rId10"/>
+    <p:sldId id="266" r:id="rId11"/>
+    <p:sldId id="267" r:id="rId12"/>
+    <p:sldId id="268" r:id="rId13"/>
   </p:sldIdLst>
   <p:sldSz cx="12192000" cy="6858000"/>
   <p:notesSz cx="6858000" cy="9144000"/>
@@ -843,7 +846,7 @@
             <a:fld id="{B61BEF0D-F0BB-DE4B-95CE-6DB70DBA9567}" type="datetimeFigureOut">
               <a:rPr lang="en-US" smtClean="0"/>
               <a:pPr/>
-              <a:t>2/7/2019</a:t>
+              <a:t>2/12/2019</a:t>
             </a:fld>
             <a:endParaRPr lang="en-US" dirty="0"/>
           </a:p>
@@ -1096,7 +1099,7 @@
             <a:fld id="{B61BEF0D-F0BB-DE4B-95CE-6DB70DBA9567}" type="datetimeFigureOut">
               <a:rPr lang="en-US" smtClean="0"/>
               <a:pPr/>
-              <a:t>2/7/2019</a:t>
+              <a:t>2/12/2019</a:t>
             </a:fld>
             <a:endParaRPr lang="en-US" dirty="0"/>
           </a:p>
@@ -1412,7 +1415,7 @@
             <a:fld id="{B61BEF0D-F0BB-DE4B-95CE-6DB70DBA9567}" type="datetimeFigureOut">
               <a:rPr lang="en-US" smtClean="0"/>
               <a:pPr/>
-              <a:t>2/7/2019</a:t>
+              <a:t>2/12/2019</a:t>
             </a:fld>
             <a:endParaRPr lang="en-US" dirty="0"/>
           </a:p>
@@ -1755,7 +1758,7 @@
             <a:fld id="{B61BEF0D-F0BB-DE4B-95CE-6DB70DBA9567}" type="datetimeFigureOut">
               <a:rPr lang="en-US" smtClean="0"/>
               <a:pPr/>
-              <a:t>2/7/2019</a:t>
+              <a:t>2/12/2019</a:t>
             </a:fld>
             <a:endParaRPr lang="en-US" dirty="0"/>
           </a:p>
@@ -2071,7 +2074,7 @@
             <a:fld id="{B61BEF0D-F0BB-DE4B-95CE-6DB70DBA9567}" type="datetimeFigureOut">
               <a:rPr lang="en-US" smtClean="0"/>
               <a:pPr/>
-              <a:t>2/7/2019</a:t>
+              <a:t>2/12/2019</a:t>
             </a:fld>
             <a:endParaRPr lang="en-US" dirty="0"/>
           </a:p>
@@ -2466,7 +2469,7 @@
             <a:fld id="{B61BEF0D-F0BB-DE4B-95CE-6DB70DBA9567}" type="datetimeFigureOut">
               <a:rPr lang="en-US" smtClean="0"/>
               <a:pPr/>
-              <a:t>2/7/2019</a:t>
+              <a:t>2/12/2019</a:t>
             </a:fld>
             <a:endParaRPr lang="en-US" dirty="0"/>
           </a:p>
@@ -2638,7 +2641,7 @@
             <a:fld id="{B61BEF0D-F0BB-DE4B-95CE-6DB70DBA9567}" type="datetimeFigureOut">
               <a:rPr lang="en-US" smtClean="0"/>
               <a:pPr/>
-              <a:t>2/7/2019</a:t>
+              <a:t>2/12/2019</a:t>
             </a:fld>
             <a:endParaRPr lang="en-US" dirty="0"/>
           </a:p>
@@ -2820,7 +2823,7 @@
             <a:fld id="{B61BEF0D-F0BB-DE4B-95CE-6DB70DBA9567}" type="datetimeFigureOut">
               <a:rPr lang="en-US" smtClean="0"/>
               <a:pPr/>
-              <a:t>2/7/2019</a:t>
+              <a:t>2/12/2019</a:t>
             </a:fld>
             <a:endParaRPr lang="en-US" dirty="0"/>
           </a:p>
@@ -2998,7 +3001,7 @@
             <a:fld id="{B61BEF0D-F0BB-DE4B-95CE-6DB70DBA9567}" type="datetimeFigureOut">
               <a:rPr lang="en-US" smtClean="0"/>
               <a:pPr/>
-              <a:t>2/7/2019</a:t>
+              <a:t>2/12/2019</a:t>
             </a:fld>
             <a:endParaRPr lang="en-US" dirty="0"/>
           </a:p>
@@ -3247,7 +3250,7 @@
             <a:fld id="{B61BEF0D-F0BB-DE4B-95CE-6DB70DBA9567}" type="datetimeFigureOut">
               <a:rPr lang="en-US" smtClean="0"/>
               <a:pPr/>
-              <a:t>2/7/2019</a:t>
+              <a:t>2/12/2019</a:t>
             </a:fld>
             <a:endParaRPr lang="en-US" dirty="0"/>
           </a:p>
@@ -3481,7 +3484,7 @@
             <a:fld id="{B61BEF0D-F0BB-DE4B-95CE-6DB70DBA9567}" type="datetimeFigureOut">
               <a:rPr lang="en-US" smtClean="0"/>
               <a:pPr/>
-              <a:t>2/7/2019</a:t>
+              <a:t>2/12/2019</a:t>
             </a:fld>
             <a:endParaRPr lang="en-US" dirty="0"/>
           </a:p>
@@ -3857,7 +3860,7 @@
             <a:fld id="{B61BEF0D-F0BB-DE4B-95CE-6DB70DBA9567}" type="datetimeFigureOut">
               <a:rPr lang="en-US" smtClean="0"/>
               <a:pPr/>
-              <a:t>2/7/2019</a:t>
+              <a:t>2/12/2019</a:t>
             </a:fld>
             <a:endParaRPr lang="en-US" dirty="0"/>
           </a:p>
@@ -3982,7 +3985,7 @@
             <a:fld id="{B61BEF0D-F0BB-DE4B-95CE-6DB70DBA9567}" type="datetimeFigureOut">
               <a:rPr lang="en-US" smtClean="0"/>
               <a:pPr/>
-              <a:t>2/7/2019</a:t>
+              <a:t>2/12/2019</a:t>
             </a:fld>
             <a:endParaRPr lang="en-US" dirty="0"/>
           </a:p>
@@ -4079,7 +4082,7 @@
             <a:fld id="{B61BEF0D-F0BB-DE4B-95CE-6DB70DBA9567}" type="datetimeFigureOut">
               <a:rPr lang="en-US" smtClean="0"/>
               <a:pPr/>
-              <a:t>2/7/2019</a:t>
+              <a:t>2/12/2019</a:t>
             </a:fld>
             <a:endParaRPr lang="en-US" dirty="0"/>
           </a:p>
@@ -4336,7 +4339,7 @@
             <a:fld id="{B61BEF0D-F0BB-DE4B-95CE-6DB70DBA9567}" type="datetimeFigureOut">
               <a:rPr lang="en-US" smtClean="0"/>
               <a:pPr/>
-              <a:t>2/7/2019</a:t>
+              <a:t>2/12/2019</a:t>
             </a:fld>
             <a:endParaRPr lang="en-US" dirty="0"/>
           </a:p>
@@ -4601,7 +4604,7 @@
             <a:fld id="{B61BEF0D-F0BB-DE4B-95CE-6DB70DBA9567}" type="datetimeFigureOut">
               <a:rPr lang="en-US" smtClean="0"/>
               <a:pPr/>
-              <a:t>2/7/2019</a:t>
+              <a:t>2/12/2019</a:t>
             </a:fld>
             <a:endParaRPr lang="en-US" dirty="0"/>
           </a:p>
@@ -5346,7 +5349,7 @@
             <a:fld id="{B61BEF0D-F0BB-DE4B-95CE-6DB70DBA9567}" type="datetimeFigureOut">
               <a:rPr lang="en-US" smtClean="0"/>
               <a:pPr/>
-              <a:t>2/7/2019</a:t>
+              <a:t>2/12/2019</a:t>
             </a:fld>
             <a:endParaRPr lang="en-US" dirty="0"/>
           </a:p>
@@ -5958,6 +5961,464 @@
 </p:sld>
 </file>
 
+<file path=ppt/slides/slide10.xml><?xml version="1.0" encoding="utf-8"?>
+<p:sld xmlns:a="http://schemas.openxmlformats.org/drawingml/2006/main" xmlns:r="http://schemas.openxmlformats.org/officeDocument/2006/relationships" xmlns:p="http://schemas.openxmlformats.org/presentationml/2006/main">
+  <p:cSld>
+    <p:spTree>
+      <p:nvGrpSpPr>
+        <p:cNvPr id="1" name=""/>
+        <p:cNvGrpSpPr/>
+        <p:nvPr/>
+      </p:nvGrpSpPr>
+      <p:grpSpPr>
+        <a:xfrm>
+          <a:off x="0" y="0"/>
+          <a:ext cx="0" cy="0"/>
+          <a:chOff x="0" y="0"/>
+          <a:chExt cx="0" cy="0"/>
+        </a:xfrm>
+      </p:grpSpPr>
+      <p:sp>
+        <p:nvSpPr>
+          <p:cNvPr id="2" name="Title 1">
+            <a:extLst>
+              <a:ext uri="{FF2B5EF4-FFF2-40B4-BE49-F238E27FC236}">
+                <a16:creationId xmlns:a16="http://schemas.microsoft.com/office/drawing/2014/main" id="{0BA6C163-F609-47D6-9F13-9D5480273171}"/>
+              </a:ext>
+            </a:extLst>
+          </p:cNvPr>
+          <p:cNvSpPr>
+            <a:spLocks noGrp="1"/>
+          </p:cNvSpPr>
+          <p:nvPr>
+            <p:ph type="title"/>
+          </p:nvPr>
+        </p:nvSpPr>
+        <p:spPr/>
+        <p:txBody>
+          <a:bodyPr/>
+          <a:lstStyle/>
+          <a:p>
+            <a:r>
+              <a:rPr lang="en-US" b="1" dirty="0"/>
+              <a:t>Recommendations – Key Value Drivers</a:t>
+            </a:r>
+          </a:p>
+        </p:txBody>
+      </p:sp>
+      <p:sp>
+        <p:nvSpPr>
+          <p:cNvPr id="3" name="Content Placeholder 2">
+            <a:extLst>
+              <a:ext uri="{FF2B5EF4-FFF2-40B4-BE49-F238E27FC236}">
+                <a16:creationId xmlns:a16="http://schemas.microsoft.com/office/drawing/2014/main" id="{439C6392-B92D-4057-8007-079CC240A689}"/>
+              </a:ext>
+            </a:extLst>
+          </p:cNvPr>
+          <p:cNvSpPr>
+            <a:spLocks noGrp="1"/>
+          </p:cNvSpPr>
+          <p:nvPr>
+            <p:ph idx="1"/>
+          </p:nvPr>
+        </p:nvSpPr>
+        <p:spPr>
+          <a:xfrm>
+            <a:off x="677334" y="1930400"/>
+            <a:ext cx="8596668" cy="3880773"/>
+          </a:xfrm>
+        </p:spPr>
+        <p:txBody>
+          <a:bodyPr>
+            <a:normAutofit/>
+          </a:bodyPr>
+          <a:lstStyle/>
+          <a:p>
+            <a:r>
+              <a:rPr lang="en-US" sz="3200" dirty="0"/>
+              <a:t>More expensive homes:</a:t>
+            </a:r>
+          </a:p>
+          <a:p>
+            <a:pPr lvl="1"/>
+            <a:r>
+              <a:rPr lang="en-US" sz="3200" dirty="0"/>
+              <a:t>Large square footage</a:t>
+            </a:r>
+          </a:p>
+          <a:p>
+            <a:pPr lvl="1"/>
+            <a:r>
+              <a:rPr lang="en-US" sz="3200" dirty="0"/>
+              <a:t>Waterfront</a:t>
+            </a:r>
+          </a:p>
+          <a:p>
+            <a:pPr lvl="1"/>
+            <a:r>
+              <a:rPr lang="en-US" sz="3200" dirty="0"/>
+              <a:t>Built past 2009 or from 1900 – 1920</a:t>
+            </a:r>
+          </a:p>
+          <a:p>
+            <a:pPr lvl="1"/>
+            <a:r>
+              <a:rPr lang="en-US" sz="3200" dirty="0"/>
+              <a:t>Top condition </a:t>
+            </a:r>
+          </a:p>
+          <a:p>
+            <a:pPr lvl="1"/>
+            <a:r>
+              <a:rPr lang="en-US" sz="3200" dirty="0"/>
+              <a:t>Premium Location (i.e. </a:t>
+            </a:r>
+            <a:r>
+              <a:rPr lang="en-US" sz="3200" dirty="0" err="1"/>
+              <a:t>zipcode</a:t>
+            </a:r>
+            <a:r>
+              <a:rPr lang="en-US" sz="3200" dirty="0"/>
+              <a:t> 98102)</a:t>
+            </a:r>
+          </a:p>
+          <a:p>
+            <a:pPr marL="457200" lvl="1" indent="0">
+              <a:buNone/>
+            </a:pPr>
+            <a:endParaRPr lang="en-US" dirty="0"/>
+          </a:p>
+          <a:p>
+            <a:pPr marL="0" indent="0">
+              <a:buNone/>
+            </a:pPr>
+            <a:endParaRPr lang="en-US" dirty="0"/>
+          </a:p>
+        </p:txBody>
+      </p:sp>
+    </p:spTree>
+    <p:extLst>
+      <p:ext uri="{BB962C8B-B14F-4D97-AF65-F5344CB8AC3E}">
+        <p14:creationId xmlns:p14="http://schemas.microsoft.com/office/powerpoint/2010/main" val="2535325659"/>
+      </p:ext>
+    </p:extLst>
+  </p:cSld>
+  <p:clrMapOvr>
+    <a:masterClrMapping/>
+  </p:clrMapOvr>
+</p:sld>
+</file>
+
+<file path=ppt/slides/slide11.xml><?xml version="1.0" encoding="utf-8"?>
+<p:sld xmlns:a="http://schemas.openxmlformats.org/drawingml/2006/main" xmlns:r="http://schemas.openxmlformats.org/officeDocument/2006/relationships" xmlns:p="http://schemas.openxmlformats.org/presentationml/2006/main">
+  <p:cSld>
+    <p:spTree>
+      <p:nvGrpSpPr>
+        <p:cNvPr id="1" name=""/>
+        <p:cNvGrpSpPr/>
+        <p:nvPr/>
+      </p:nvGrpSpPr>
+      <p:grpSpPr>
+        <a:xfrm>
+          <a:off x="0" y="0"/>
+          <a:ext cx="0" cy="0"/>
+          <a:chOff x="0" y="0"/>
+          <a:chExt cx="0" cy="0"/>
+        </a:xfrm>
+      </p:grpSpPr>
+      <p:sp>
+        <p:nvSpPr>
+          <p:cNvPr id="2" name="Title 1">
+            <a:extLst>
+              <a:ext uri="{FF2B5EF4-FFF2-40B4-BE49-F238E27FC236}">
+                <a16:creationId xmlns:a16="http://schemas.microsoft.com/office/drawing/2014/main" id="{0BA6C163-F609-47D6-9F13-9D5480273171}"/>
+              </a:ext>
+            </a:extLst>
+          </p:cNvPr>
+          <p:cNvSpPr>
+            <a:spLocks noGrp="1"/>
+          </p:cNvSpPr>
+          <p:nvPr>
+            <p:ph type="title"/>
+          </p:nvPr>
+        </p:nvSpPr>
+        <p:spPr/>
+        <p:txBody>
+          <a:bodyPr/>
+          <a:lstStyle/>
+          <a:p>
+            <a:r>
+              <a:rPr lang="en-US" b="1" dirty="0"/>
+              <a:t>Recommendations –</a:t>
+            </a:r>
+            <a:br>
+              <a:rPr lang="en-US" b="1" dirty="0"/>
+            </a:br>
+            <a:r>
+              <a:rPr lang="en-US" b="1" dirty="0"/>
+              <a:t>Things to watch for</a:t>
+            </a:r>
+          </a:p>
+        </p:txBody>
+      </p:sp>
+      <p:sp>
+        <p:nvSpPr>
+          <p:cNvPr id="3" name="Content Placeholder 2">
+            <a:extLst>
+              <a:ext uri="{FF2B5EF4-FFF2-40B4-BE49-F238E27FC236}">
+                <a16:creationId xmlns:a16="http://schemas.microsoft.com/office/drawing/2014/main" id="{439C6392-B92D-4057-8007-079CC240A689}"/>
+              </a:ext>
+            </a:extLst>
+          </p:cNvPr>
+          <p:cNvSpPr>
+            <a:spLocks noGrp="1"/>
+          </p:cNvSpPr>
+          <p:nvPr>
+            <p:ph idx="1"/>
+          </p:nvPr>
+        </p:nvSpPr>
+        <p:spPr>
+          <a:xfrm>
+            <a:off x="677334" y="1861184"/>
+            <a:ext cx="10133625" cy="3880773"/>
+          </a:xfrm>
+        </p:spPr>
+        <p:txBody>
+          <a:bodyPr>
+            <a:normAutofit lnSpcReduction="10000"/>
+          </a:bodyPr>
+          <a:lstStyle/>
+          <a:p>
+            <a:r>
+              <a:rPr lang="en-US" sz="2800" dirty="0"/>
+              <a:t>Most expensive homes = most difficult to predict</a:t>
+            </a:r>
+          </a:p>
+          <a:p>
+            <a:r>
+              <a:rPr lang="en-US" sz="2800" dirty="0"/>
+              <a:t>Location is </a:t>
+            </a:r>
+            <a:r>
+              <a:rPr lang="en-US" sz="2800" u="sng" dirty="0"/>
+              <a:t>everything</a:t>
+            </a:r>
+          </a:p>
+          <a:p>
+            <a:pPr lvl="1"/>
+            <a:r>
+              <a:rPr lang="en-US" sz="2600" dirty="0"/>
+              <a:t>Identical homes + different neighborhood </a:t>
+            </a:r>
+          </a:p>
+          <a:p>
+            <a:pPr marL="457200" lvl="1" indent="0">
+              <a:buNone/>
+            </a:pPr>
+            <a:r>
+              <a:rPr lang="en-US" sz="2400" dirty="0">
+                <a:sym typeface="Wingdings" panose="05000000000000000000" pitchFamily="2" charset="2"/>
+              </a:rPr>
+              <a:t>    </a:t>
+            </a:r>
+            <a:r>
+              <a:rPr lang="en-US" sz="2400" b="1" dirty="0">
+                <a:sym typeface="Wingdings" panose="05000000000000000000" pitchFamily="2" charset="2"/>
+              </a:rPr>
+              <a:t>Completely Different Price!</a:t>
+            </a:r>
+          </a:p>
+          <a:p>
+            <a:r>
+              <a:rPr lang="en-US" sz="2600" dirty="0"/>
+              <a:t># of Rooms </a:t>
+            </a:r>
+            <a:r>
+              <a:rPr lang="en-US" sz="2600" b="1" dirty="0"/>
+              <a:t>less important </a:t>
+            </a:r>
+            <a:r>
+              <a:rPr lang="en-US" sz="2600" dirty="0"/>
+              <a:t>than sq. footage</a:t>
+            </a:r>
+          </a:p>
+          <a:p>
+            <a:r>
+              <a:rPr lang="en-US" sz="2600" dirty="0"/>
+              <a:t>Renovation </a:t>
+            </a:r>
+            <a:r>
+              <a:rPr lang="en-US" sz="2600" u="sng" dirty="0"/>
+              <a:t>works</a:t>
+            </a:r>
+          </a:p>
+          <a:p>
+            <a:pPr lvl="1"/>
+            <a:r>
+              <a:rPr lang="en-US" sz="2400" dirty="0"/>
+              <a:t>Home in poor condition</a:t>
+            </a:r>
+          </a:p>
+          <a:p>
+            <a:pPr lvl="1"/>
+            <a:r>
+              <a:rPr lang="en-US" sz="2400" dirty="0"/>
+              <a:t>Built in 70s – 90s</a:t>
+            </a:r>
+            <a:endParaRPr lang="en-US" sz="2800" dirty="0"/>
+          </a:p>
+          <a:p>
+            <a:endParaRPr lang="en-US" dirty="0"/>
+          </a:p>
+        </p:txBody>
+      </p:sp>
+    </p:spTree>
+    <p:extLst>
+      <p:ext uri="{BB962C8B-B14F-4D97-AF65-F5344CB8AC3E}">
+        <p14:creationId xmlns:p14="http://schemas.microsoft.com/office/powerpoint/2010/main" val="3955848334"/>
+      </p:ext>
+    </p:extLst>
+  </p:cSld>
+  <p:clrMapOvr>
+    <a:masterClrMapping/>
+  </p:clrMapOvr>
+</p:sld>
+</file>
+
+<file path=ppt/slides/slide12.xml><?xml version="1.0" encoding="utf-8"?>
+<p:sld xmlns:a="http://schemas.openxmlformats.org/drawingml/2006/main" xmlns:r="http://schemas.openxmlformats.org/officeDocument/2006/relationships" xmlns:p="http://schemas.openxmlformats.org/presentationml/2006/main">
+  <p:cSld>
+    <p:spTree>
+      <p:nvGrpSpPr>
+        <p:cNvPr id="1" name=""/>
+        <p:cNvGrpSpPr/>
+        <p:nvPr/>
+      </p:nvGrpSpPr>
+      <p:grpSpPr>
+        <a:xfrm>
+          <a:off x="0" y="0"/>
+          <a:ext cx="0" cy="0"/>
+          <a:chOff x="0" y="0"/>
+          <a:chExt cx="0" cy="0"/>
+        </a:xfrm>
+      </p:grpSpPr>
+      <p:sp>
+        <p:nvSpPr>
+          <p:cNvPr id="2" name="Title 1">
+            <a:extLst>
+              <a:ext uri="{FF2B5EF4-FFF2-40B4-BE49-F238E27FC236}">
+                <a16:creationId xmlns:a16="http://schemas.microsoft.com/office/drawing/2014/main" id="{0BA6C163-F609-47D6-9F13-9D5480273171}"/>
+              </a:ext>
+            </a:extLst>
+          </p:cNvPr>
+          <p:cNvSpPr>
+            <a:spLocks noGrp="1"/>
+          </p:cNvSpPr>
+          <p:nvPr>
+            <p:ph type="title"/>
+          </p:nvPr>
+        </p:nvSpPr>
+        <p:spPr/>
+        <p:txBody>
+          <a:bodyPr/>
+          <a:lstStyle/>
+          <a:p>
+            <a:r>
+              <a:rPr lang="en-US" b="1" dirty="0"/>
+              <a:t>Recommendations: Improvements</a:t>
+            </a:r>
+          </a:p>
+        </p:txBody>
+      </p:sp>
+      <p:sp>
+        <p:nvSpPr>
+          <p:cNvPr id="3" name="Content Placeholder 2">
+            <a:extLst>
+              <a:ext uri="{FF2B5EF4-FFF2-40B4-BE49-F238E27FC236}">
+                <a16:creationId xmlns:a16="http://schemas.microsoft.com/office/drawing/2014/main" id="{439C6392-B92D-4057-8007-079CC240A689}"/>
+              </a:ext>
+            </a:extLst>
+          </p:cNvPr>
+          <p:cNvSpPr>
+            <a:spLocks noGrp="1"/>
+          </p:cNvSpPr>
+          <p:nvPr>
+            <p:ph idx="1"/>
+          </p:nvPr>
+        </p:nvSpPr>
+        <p:spPr>
+          <a:xfrm>
+            <a:off x="677334" y="1861184"/>
+            <a:ext cx="10133625" cy="3880773"/>
+          </a:xfrm>
+        </p:spPr>
+        <p:txBody>
+          <a:bodyPr>
+            <a:normAutofit/>
+          </a:bodyPr>
+          <a:lstStyle/>
+          <a:p>
+            <a:r>
+              <a:rPr lang="en-US" sz="2800" dirty="0"/>
+              <a:t>More Data about location:</a:t>
+            </a:r>
+          </a:p>
+          <a:p>
+            <a:pPr lvl="1"/>
+            <a:r>
+              <a:rPr lang="en-US" sz="2800" dirty="0"/>
+              <a:t>Nearby Education </a:t>
+            </a:r>
+          </a:p>
+          <a:p>
+            <a:pPr lvl="1"/>
+            <a:r>
+              <a:rPr lang="en-US" sz="2800" dirty="0"/>
+              <a:t>Parks &amp; Facilities</a:t>
+            </a:r>
+          </a:p>
+          <a:p>
+            <a:pPr lvl="1"/>
+            <a:r>
+              <a:rPr lang="en-US" sz="2800" dirty="0"/>
+              <a:t>Crime rate</a:t>
+            </a:r>
+          </a:p>
+          <a:p>
+            <a:pPr lvl="1"/>
+            <a:r>
+              <a:rPr lang="en-US" sz="2800" dirty="0"/>
+              <a:t>Avg. age </a:t>
+            </a:r>
+          </a:p>
+          <a:p>
+            <a:pPr lvl="1"/>
+            <a:r>
+              <a:rPr lang="en-US" sz="2800" dirty="0"/>
+              <a:t>…</a:t>
+            </a:r>
+          </a:p>
+          <a:p>
+            <a:pPr marL="0" indent="0">
+              <a:buNone/>
+            </a:pPr>
+            <a:endParaRPr lang="en-US" dirty="0"/>
+          </a:p>
+        </p:txBody>
+      </p:sp>
+    </p:spTree>
+    <p:extLst>
+      <p:ext uri="{BB962C8B-B14F-4D97-AF65-F5344CB8AC3E}">
+        <p14:creationId xmlns:p14="http://schemas.microsoft.com/office/powerpoint/2010/main" val="866400180"/>
+      </p:ext>
+    </p:extLst>
+  </p:cSld>
+  <p:clrMapOvr>
+    <a:masterClrMapping/>
+  </p:clrMapOvr>
+</p:sld>
+</file>
+
 <file path=ppt/slides/slide2.xml><?xml version="1.0" encoding="utf-8"?>
 <p:sld xmlns:a="http://schemas.openxmlformats.org/drawingml/2006/main" xmlns:r="http://schemas.openxmlformats.org/officeDocument/2006/relationships" xmlns:p="http://schemas.openxmlformats.org/presentationml/2006/main">
   <p:cSld>
@@ -6038,81 +6499,87 @@
           <a:lstStyle/>
           <a:p>
             <a:r>
-              <a:rPr lang="en-US" sz="2400" dirty="0"/>
+              <a:rPr lang="en-US" sz="2000" dirty="0"/>
               <a:t>Target: </a:t>
             </a:r>
           </a:p>
           <a:p>
             <a:pPr lvl="1"/>
             <a:r>
-              <a:rPr lang="en-US" sz="2400" dirty="0"/>
+              <a:rPr lang="en-US" sz="2000" dirty="0"/>
               <a:t>Goal is to predict: </a:t>
             </a:r>
             <a:r>
-              <a:rPr lang="en-US" sz="2400" b="1" dirty="0"/>
+              <a:rPr lang="en-US" sz="2000" b="1" dirty="0"/>
               <a:t>House</a:t>
             </a:r>
             <a:r>
-              <a:rPr lang="en-US" sz="2400" dirty="0"/>
+              <a:rPr lang="en-US" sz="2000" dirty="0"/>
               <a:t> </a:t>
             </a:r>
             <a:r>
-              <a:rPr lang="en-US" sz="2400" b="1" dirty="0"/>
+              <a:rPr lang="en-US" sz="2000" b="1" dirty="0"/>
               <a:t>Price</a:t>
             </a:r>
           </a:p>
           <a:p>
-            <a:r>
-              <a:rPr lang="en-US" sz="2400" dirty="0"/>
+            <a:pPr marL="457200" lvl="1" indent="0">
+              <a:buNone/>
+            </a:pPr>
+            <a:endParaRPr lang="en-US" sz="2000" b="1" dirty="0"/>
+          </a:p>
+          <a:p>
+            <a:r>
+              <a:rPr lang="en-US" sz="2000" dirty="0"/>
               <a:t>Predictor Variables:</a:t>
             </a:r>
           </a:p>
           <a:p>
             <a:pPr lvl="1"/>
             <a:r>
-              <a:rPr lang="en-US" sz="2400" dirty="0"/>
+              <a:rPr lang="en-US" sz="2000" dirty="0"/>
               <a:t>Number of Bedrooms, Bathrooms, and Floors</a:t>
             </a:r>
           </a:p>
           <a:p>
             <a:pPr lvl="1"/>
             <a:r>
-              <a:rPr lang="en-US" sz="2400" dirty="0"/>
+              <a:rPr lang="en-US" sz="2000" dirty="0"/>
               <a:t>Sq. footage – Internal and Lot</a:t>
             </a:r>
           </a:p>
           <a:p>
             <a:pPr lvl="1"/>
             <a:r>
-              <a:rPr lang="en-US" sz="2400" dirty="0"/>
+              <a:rPr lang="en-US" sz="2000" dirty="0"/>
               <a:t>Overall Condition (1-5)</a:t>
             </a:r>
           </a:p>
           <a:p>
             <a:pPr lvl="1"/>
             <a:r>
-              <a:rPr lang="en-US" sz="2400" dirty="0"/>
+              <a:rPr lang="en-US" sz="2000" dirty="0"/>
               <a:t>Geographical Location (Based on Clustering)</a:t>
             </a:r>
           </a:p>
           <a:p>
             <a:pPr lvl="1"/>
             <a:r>
-              <a:rPr lang="en-US" sz="2400" dirty="0"/>
+              <a:rPr lang="en-US" sz="2000" dirty="0"/>
               <a:t>Waterfront (yes / no)</a:t>
             </a:r>
           </a:p>
           <a:p>
             <a:pPr lvl="1"/>
             <a:r>
-              <a:rPr lang="en-US" sz="2400" dirty="0"/>
+              <a:rPr lang="en-US" sz="2000" dirty="0"/>
               <a:t>Year Built</a:t>
             </a:r>
           </a:p>
           <a:p>
             <a:pPr lvl="1"/>
             <a:r>
-              <a:rPr lang="en-US" sz="2400" dirty="0"/>
+              <a:rPr lang="en-US" sz="2000" dirty="0"/>
               <a:t>Renovated (yes / no) </a:t>
             </a:r>
           </a:p>
@@ -9125,14 +9592,28 @@
             <p:ph type="title"/>
           </p:nvPr>
         </p:nvSpPr>
-        <p:spPr/>
-        <p:txBody>
-          <a:bodyPr/>
-          <a:lstStyle/>
-          <a:p>
-            <a:r>
-              <a:rPr lang="en-US" dirty="0"/>
-              <a:t>Main Takeaways</a:t>
+        <p:spPr>
+          <a:xfrm>
+            <a:off x="677334" y="609600"/>
+            <a:ext cx="8596668" cy="921026"/>
+          </a:xfrm>
+        </p:spPr>
+        <p:txBody>
+          <a:bodyPr>
+            <a:noAutofit/>
+          </a:bodyPr>
+          <a:lstStyle/>
+          <a:p>
+            <a:r>
+              <a:rPr lang="en-US" sz="4000" b="1" dirty="0"/>
+              <a:t>Recommendations – </a:t>
+            </a:r>
+            <a:br>
+              <a:rPr lang="en-US" sz="4000" b="1" dirty="0"/>
+            </a:br>
+            <a:r>
+              <a:rPr lang="en-US" sz="4000" b="1" dirty="0"/>
+              <a:t>Feature Engineering</a:t>
             </a:r>
           </a:p>
         </p:txBody>
@@ -9153,77 +9634,53 @@
             <p:ph idx="1"/>
           </p:nvPr>
         </p:nvSpPr>
-        <p:spPr/>
+        <p:spPr>
+          <a:xfrm>
+            <a:off x="677334" y="2012716"/>
+            <a:ext cx="8596668" cy="3880773"/>
+          </a:xfrm>
+        </p:spPr>
         <p:txBody>
           <a:bodyPr>
             <a:normAutofit/>
           </a:bodyPr>
           <a:lstStyle/>
           <a:p>
-            <a:r>
-              <a:rPr lang="en-US" dirty="0"/>
-              <a:t>Feature engineering + Log scaling:</a:t>
-            </a:r>
-          </a:p>
-          <a:p>
-            <a:pPr lvl="1"/>
-            <a:r>
-              <a:rPr lang="en-US" dirty="0"/>
-              <a:t>Achieved higher R2: ~17% improvement over raw data model</a:t>
-            </a:r>
-          </a:p>
-          <a:p>
-            <a:pPr lvl="1"/>
-            <a:r>
-              <a:rPr lang="en-US" dirty="0"/>
-              <a:t>All features statistically significant – will perform well on unseen data</a:t>
-            </a:r>
-          </a:p>
-          <a:p>
-            <a:r>
-              <a:rPr lang="en-US" dirty="0"/>
-              <a:t>Recommendation:</a:t>
-            </a:r>
-          </a:p>
-          <a:p>
-            <a:pPr lvl="1"/>
-            <a:r>
-              <a:rPr lang="en-US" dirty="0"/>
-              <a:t>Keep recording data in same way</a:t>
-            </a:r>
-          </a:p>
-          <a:p>
-            <a:pPr lvl="1"/>
-            <a:r>
-              <a:rPr lang="en-US" dirty="0"/>
-              <a:t>Model depends highly on clustering – try many different clusters</a:t>
-            </a:r>
-          </a:p>
-          <a:p>
-            <a:pPr lvl="1"/>
-            <a:r>
-              <a:rPr lang="en-US" dirty="0"/>
-              <a:t>Use provided techniques to transform data</a:t>
-            </a:r>
-          </a:p>
-          <a:p>
-            <a:pPr lvl="1"/>
-            <a:r>
-              <a:rPr lang="en-US" dirty="0"/>
-              <a:t>Retrain model with more data, specifically with more expensive homes </a:t>
-            </a:r>
-          </a:p>
-          <a:p>
-            <a:r>
-              <a:rPr lang="en-US" dirty="0"/>
-              <a:t>Things to watch for:</a:t>
-            </a:r>
-          </a:p>
-          <a:p>
-            <a:pPr lvl="1"/>
-            <a:r>
-              <a:rPr lang="en-US" dirty="0"/>
-              <a:t>As houses get more expensive, price becomes harder to predict</a:t>
+            <a:pPr marL="0" indent="0">
+              <a:buNone/>
+            </a:pPr>
+            <a:endParaRPr lang="en-US" sz="2400" dirty="0"/>
+          </a:p>
+          <a:p>
+            <a:r>
+              <a:rPr lang="en-US" sz="3200" b="1" dirty="0"/>
+              <a:t>~17% </a:t>
+            </a:r>
+            <a:r>
+              <a:rPr lang="en-US" sz="3200" dirty="0"/>
+              <a:t>R2 improvement</a:t>
+            </a:r>
+          </a:p>
+          <a:p>
+            <a:r>
+              <a:rPr lang="en-US" sz="3200" dirty="0"/>
+              <a:t>All features = statistically significant</a:t>
+            </a:r>
+          </a:p>
+          <a:p>
+            <a:r>
+              <a:rPr lang="en-US" sz="3200" dirty="0"/>
+              <a:t>Performs best on new data</a:t>
+            </a:r>
+          </a:p>
+          <a:p>
+            <a:r>
+              <a:rPr lang="en-US" sz="3200" dirty="0"/>
+              <a:t>Recommendation: </a:t>
+            </a:r>
+            <a:r>
+              <a:rPr lang="en-US" sz="3200" u="sng" dirty="0"/>
+              <a:t>Use model in production</a:t>
             </a:r>
           </a:p>
         </p:txBody>
